--- a/1.1绪论.pptx
+++ b/1.1绪论.pptx
@@ -246,7 +246,7 @@
           <a:p>
             <a:fld id="{66C3546E-20F6-7649-A9A4-4E4A245D3E82}" type="datetimeFigureOut">
               <a:rPr kumimoji="1" lang="zh-CN" altLang="en-US" smtClean="0"/>
-              <a:t>2019/10/16</a:t>
+              <a:t>2020/2/8</a:t>
             </a:fld>
             <a:endParaRPr kumimoji="1" lang="zh-CN" altLang="en-US"/>
           </a:p>
@@ -2007,7 +2007,7 @@
           <a:p>
             <a:fld id="{1C49BB65-7B3F-4D4E-A397-BBFD82890A5A}" type="datetimeFigureOut">
               <a:rPr kumimoji="1" lang="zh-CN" altLang="en-US" smtClean="0"/>
-              <a:t>2019/10/16</a:t>
+              <a:t>2020/2/8</a:t>
             </a:fld>
             <a:endParaRPr kumimoji="1" lang="zh-CN" altLang="en-US"/>
           </a:p>
@@ -2205,7 +2205,7 @@
           <a:p>
             <a:fld id="{1C49BB65-7B3F-4D4E-A397-BBFD82890A5A}" type="datetimeFigureOut">
               <a:rPr kumimoji="1" lang="zh-CN" altLang="en-US" smtClean="0"/>
-              <a:t>2019/10/16</a:t>
+              <a:t>2020/2/8</a:t>
             </a:fld>
             <a:endParaRPr kumimoji="1" lang="zh-CN" altLang="en-US"/>
           </a:p>
@@ -2413,7 +2413,7 @@
           <a:p>
             <a:fld id="{1C49BB65-7B3F-4D4E-A397-BBFD82890A5A}" type="datetimeFigureOut">
               <a:rPr kumimoji="1" lang="zh-CN" altLang="en-US" smtClean="0"/>
-              <a:t>2019/10/16</a:t>
+              <a:t>2020/2/8</a:t>
             </a:fld>
             <a:endParaRPr kumimoji="1" lang="zh-CN" altLang="en-US"/>
           </a:p>
@@ -2611,7 +2611,7 @@
           <a:p>
             <a:fld id="{1C49BB65-7B3F-4D4E-A397-BBFD82890A5A}" type="datetimeFigureOut">
               <a:rPr kumimoji="1" lang="zh-CN" altLang="en-US" smtClean="0"/>
-              <a:t>2019/10/16</a:t>
+              <a:t>2020/2/8</a:t>
             </a:fld>
             <a:endParaRPr kumimoji="1" lang="zh-CN" altLang="en-US"/>
           </a:p>
@@ -2886,7 +2886,7 @@
           <a:p>
             <a:fld id="{1C49BB65-7B3F-4D4E-A397-BBFD82890A5A}" type="datetimeFigureOut">
               <a:rPr kumimoji="1" lang="zh-CN" altLang="en-US" smtClean="0"/>
-              <a:t>2019/10/16</a:t>
+              <a:t>2020/2/8</a:t>
             </a:fld>
             <a:endParaRPr kumimoji="1" lang="zh-CN" altLang="en-US"/>
           </a:p>
@@ -3151,7 +3151,7 @@
           <a:p>
             <a:fld id="{1C49BB65-7B3F-4D4E-A397-BBFD82890A5A}" type="datetimeFigureOut">
               <a:rPr kumimoji="1" lang="zh-CN" altLang="en-US" smtClean="0"/>
-              <a:t>2019/10/16</a:t>
+              <a:t>2020/2/8</a:t>
             </a:fld>
             <a:endParaRPr kumimoji="1" lang="zh-CN" altLang="en-US"/>
           </a:p>
@@ -3563,7 +3563,7 @@
           <a:p>
             <a:fld id="{1C49BB65-7B3F-4D4E-A397-BBFD82890A5A}" type="datetimeFigureOut">
               <a:rPr kumimoji="1" lang="zh-CN" altLang="en-US" smtClean="0"/>
-              <a:t>2019/10/16</a:t>
+              <a:t>2020/2/8</a:t>
             </a:fld>
             <a:endParaRPr kumimoji="1" lang="zh-CN" altLang="en-US"/>
           </a:p>
@@ -3704,7 +3704,7 @@
           <a:p>
             <a:fld id="{1C49BB65-7B3F-4D4E-A397-BBFD82890A5A}" type="datetimeFigureOut">
               <a:rPr kumimoji="1" lang="zh-CN" altLang="en-US" smtClean="0"/>
-              <a:t>2019/10/16</a:t>
+              <a:t>2020/2/8</a:t>
             </a:fld>
             <a:endParaRPr kumimoji="1" lang="zh-CN" altLang="en-US"/>
           </a:p>
@@ -4074,7 +4074,7 @@
           <a:p>
             <a:fld id="{1C49BB65-7B3F-4D4E-A397-BBFD82890A5A}" type="datetimeFigureOut">
               <a:rPr kumimoji="1" lang="zh-CN" altLang="en-US" smtClean="0"/>
-              <a:t>2019/10/16</a:t>
+              <a:t>2020/2/8</a:t>
             </a:fld>
             <a:endParaRPr kumimoji="1" lang="zh-CN" altLang="en-US"/>
           </a:p>
@@ -4362,7 +4362,7 @@
           <a:p>
             <a:fld id="{1C49BB65-7B3F-4D4E-A397-BBFD82890A5A}" type="datetimeFigureOut">
               <a:rPr kumimoji="1" lang="zh-CN" altLang="en-US" smtClean="0"/>
-              <a:t>2019/10/16</a:t>
+              <a:t>2020/2/8</a:t>
             </a:fld>
             <a:endParaRPr kumimoji="1" lang="zh-CN" altLang="en-US"/>
           </a:p>
@@ -4603,7 +4603,7 @@
           <a:p>
             <a:fld id="{1C49BB65-7B3F-4D4E-A397-BBFD82890A5A}" type="datetimeFigureOut">
               <a:rPr kumimoji="1" lang="zh-CN" altLang="en-US" smtClean="0"/>
-              <a:t>2019/10/16</a:t>
+              <a:t>2020/2/8</a:t>
             </a:fld>
             <a:endParaRPr kumimoji="1" lang="zh-CN" altLang="en-US"/>
           </a:p>
@@ -5168,6 +5168,49 @@
           </a:p>
         </p:txBody>
       </p:sp>
+      <p:pic>
+        <p:nvPicPr>
+          <p:cNvPr id="5" name="图片 2">
+            <a:extLst>
+              <a:ext uri="{FF2B5EF4-FFF2-40B4-BE49-F238E27FC236}">
+                <a16:creationId xmlns:a16="http://schemas.microsoft.com/office/drawing/2014/main" id="{E8DE28F7-B592-844F-B74D-969CD8977202}"/>
+              </a:ext>
+            </a:extLst>
+          </p:cNvPr>
+          <p:cNvPicPr>
+            <a:picLocks noChangeAspect="1" noChangeArrowheads="1"/>
+          </p:cNvPicPr>
+          <p:nvPr/>
+        </p:nvPicPr>
+        <p:blipFill>
+          <a:blip r:embed="rId3" cstate="print">
+            <a:extLst>
+              <a:ext uri="{28A0092B-C50C-407E-A947-70E740481C1C}">
+                <a14:useLocalDpi xmlns:a14="http://schemas.microsoft.com/office/drawing/2010/main" val="0"/>
+              </a:ext>
+            </a:extLst>
+          </a:blip>
+          <a:srcRect l="2818" t="9651" r="2068" b="9219"/>
+          <a:stretch>
+            <a:fillRect/>
+          </a:stretch>
+        </p:blipFill>
+        <p:spPr bwMode="auto">
+          <a:xfrm>
+            <a:off x="9186863" y="0"/>
+            <a:ext cx="3005137" cy="782637"/>
+          </a:xfrm>
+          <a:prstGeom prst="rect">
+            <a:avLst/>
+          </a:prstGeom>
+          <a:solidFill>
+            <a:schemeClr val="accent1"/>
+          </a:solidFill>
+          <a:ln>
+            <a:noFill/>
+          </a:ln>
+        </p:spPr>
+      </p:pic>
     </p:spTree>
     <p:extLst>
       <p:ext uri="{BB962C8B-B14F-4D97-AF65-F5344CB8AC3E}">
@@ -5614,6 +5657,49 @@
           </a:p>
         </p:txBody>
       </p:sp>
+      <p:pic>
+        <p:nvPicPr>
+          <p:cNvPr id="12" name="图片 2">
+            <a:extLst>
+              <a:ext uri="{FF2B5EF4-FFF2-40B4-BE49-F238E27FC236}">
+                <a16:creationId xmlns:a16="http://schemas.microsoft.com/office/drawing/2014/main" id="{33A332FE-D4ED-084B-BE58-EC87D4661373}"/>
+              </a:ext>
+            </a:extLst>
+          </p:cNvPr>
+          <p:cNvPicPr>
+            <a:picLocks noChangeAspect="1" noChangeArrowheads="1"/>
+          </p:cNvPicPr>
+          <p:nvPr/>
+        </p:nvPicPr>
+        <p:blipFill>
+          <a:blip r:embed="rId4" cstate="print">
+            <a:extLst>
+              <a:ext uri="{28A0092B-C50C-407E-A947-70E740481C1C}">
+                <a14:useLocalDpi xmlns:a14="http://schemas.microsoft.com/office/drawing/2010/main" val="0"/>
+              </a:ext>
+            </a:extLst>
+          </a:blip>
+          <a:srcRect l="2818" t="9651" r="2068" b="9219"/>
+          <a:stretch>
+            <a:fillRect/>
+          </a:stretch>
+        </p:blipFill>
+        <p:spPr bwMode="auto">
+          <a:xfrm>
+            <a:off x="9186863" y="0"/>
+            <a:ext cx="3005137" cy="782637"/>
+          </a:xfrm>
+          <a:prstGeom prst="rect">
+            <a:avLst/>
+          </a:prstGeom>
+          <a:solidFill>
+            <a:schemeClr val="accent1"/>
+          </a:solidFill>
+          <a:ln>
+            <a:noFill/>
+          </a:ln>
+        </p:spPr>
+      </p:pic>
     </p:spTree>
     <p:extLst>
       <p:ext uri="{BB962C8B-B14F-4D97-AF65-F5344CB8AC3E}">
@@ -6323,6 +6409,49 @@
           </a:p>
         </p:txBody>
       </p:sp>
+      <p:pic>
+        <p:nvPicPr>
+          <p:cNvPr id="22" name="图片 2">
+            <a:extLst>
+              <a:ext uri="{FF2B5EF4-FFF2-40B4-BE49-F238E27FC236}">
+                <a16:creationId xmlns:a16="http://schemas.microsoft.com/office/drawing/2014/main" id="{E16E2D4B-4E7F-3E40-86F1-80353C9DADD0}"/>
+              </a:ext>
+            </a:extLst>
+          </p:cNvPr>
+          <p:cNvPicPr>
+            <a:picLocks noChangeAspect="1" noChangeArrowheads="1"/>
+          </p:cNvPicPr>
+          <p:nvPr/>
+        </p:nvPicPr>
+        <p:blipFill>
+          <a:blip r:embed="rId4" cstate="print">
+            <a:extLst>
+              <a:ext uri="{28A0092B-C50C-407E-A947-70E740481C1C}">
+                <a14:useLocalDpi xmlns:a14="http://schemas.microsoft.com/office/drawing/2010/main" val="0"/>
+              </a:ext>
+            </a:extLst>
+          </a:blip>
+          <a:srcRect l="2818" t="9651" r="2068" b="9219"/>
+          <a:stretch>
+            <a:fillRect/>
+          </a:stretch>
+        </p:blipFill>
+        <p:spPr bwMode="auto">
+          <a:xfrm>
+            <a:off x="9186863" y="0"/>
+            <a:ext cx="3005137" cy="782637"/>
+          </a:xfrm>
+          <a:prstGeom prst="rect">
+            <a:avLst/>
+          </a:prstGeom>
+          <a:solidFill>
+            <a:schemeClr val="accent1"/>
+          </a:solidFill>
+          <a:ln>
+            <a:noFill/>
+          </a:ln>
+        </p:spPr>
+      </p:pic>
     </p:spTree>
     <p:extLst>
       <p:ext uri="{BB962C8B-B14F-4D97-AF65-F5344CB8AC3E}">
@@ -7799,6 +7928,49 @@
           </a:p>
         </p:txBody>
       </p:sp>
+      <p:pic>
+        <p:nvPicPr>
+          <p:cNvPr id="29" name="图片 2">
+            <a:extLst>
+              <a:ext uri="{FF2B5EF4-FFF2-40B4-BE49-F238E27FC236}">
+                <a16:creationId xmlns:a16="http://schemas.microsoft.com/office/drawing/2014/main" id="{D897400A-D1C5-D144-9B23-81FBDFA08237}"/>
+              </a:ext>
+            </a:extLst>
+          </p:cNvPr>
+          <p:cNvPicPr>
+            <a:picLocks noChangeAspect="1" noChangeArrowheads="1"/>
+          </p:cNvPicPr>
+          <p:nvPr/>
+        </p:nvPicPr>
+        <p:blipFill>
+          <a:blip r:embed="rId4" cstate="print">
+            <a:extLst>
+              <a:ext uri="{28A0092B-C50C-407E-A947-70E740481C1C}">
+                <a14:useLocalDpi xmlns:a14="http://schemas.microsoft.com/office/drawing/2010/main" val="0"/>
+              </a:ext>
+            </a:extLst>
+          </a:blip>
+          <a:srcRect l="2818" t="9651" r="2068" b="9219"/>
+          <a:stretch>
+            <a:fillRect/>
+          </a:stretch>
+        </p:blipFill>
+        <p:spPr bwMode="auto">
+          <a:xfrm>
+            <a:off x="9186863" y="0"/>
+            <a:ext cx="3005137" cy="782637"/>
+          </a:xfrm>
+          <a:prstGeom prst="rect">
+            <a:avLst/>
+          </a:prstGeom>
+          <a:solidFill>
+            <a:schemeClr val="accent1"/>
+          </a:solidFill>
+          <a:ln>
+            <a:noFill/>
+          </a:ln>
+        </p:spPr>
+      </p:pic>
     </p:spTree>
     <p:extLst>
       <p:ext uri="{BB962C8B-B14F-4D97-AF65-F5344CB8AC3E}">
@@ -9151,6 +9323,49 @@
           </a:p>
         </p:txBody>
       </p:sp>
+      <p:pic>
+        <p:nvPicPr>
+          <p:cNvPr id="23" name="图片 2">
+            <a:extLst>
+              <a:ext uri="{FF2B5EF4-FFF2-40B4-BE49-F238E27FC236}">
+                <a16:creationId xmlns:a16="http://schemas.microsoft.com/office/drawing/2014/main" id="{88410733-0DE4-824E-B2A3-02899C3B2F1F}"/>
+              </a:ext>
+            </a:extLst>
+          </p:cNvPr>
+          <p:cNvPicPr>
+            <a:picLocks noChangeAspect="1" noChangeArrowheads="1"/>
+          </p:cNvPicPr>
+          <p:nvPr/>
+        </p:nvPicPr>
+        <p:blipFill>
+          <a:blip r:embed="rId4" cstate="print">
+            <a:extLst>
+              <a:ext uri="{28A0092B-C50C-407E-A947-70E740481C1C}">
+                <a14:useLocalDpi xmlns:a14="http://schemas.microsoft.com/office/drawing/2010/main" val="0"/>
+              </a:ext>
+            </a:extLst>
+          </a:blip>
+          <a:srcRect l="2818" t="9651" r="2068" b="9219"/>
+          <a:stretch>
+            <a:fillRect/>
+          </a:stretch>
+        </p:blipFill>
+        <p:spPr bwMode="auto">
+          <a:xfrm>
+            <a:off x="9186863" y="0"/>
+            <a:ext cx="3005137" cy="782637"/>
+          </a:xfrm>
+          <a:prstGeom prst="rect">
+            <a:avLst/>
+          </a:prstGeom>
+          <a:solidFill>
+            <a:schemeClr val="accent1"/>
+          </a:solidFill>
+          <a:ln>
+            <a:noFill/>
+          </a:ln>
+        </p:spPr>
+      </p:pic>
     </p:spTree>
     <p:extLst>
       <p:ext uri="{BB962C8B-B14F-4D97-AF65-F5344CB8AC3E}">
@@ -10236,6 +10451,49 @@
           </a:p>
         </p:txBody>
       </p:sp>
+      <p:pic>
+        <p:nvPicPr>
+          <p:cNvPr id="29" name="图片 2">
+            <a:extLst>
+              <a:ext uri="{FF2B5EF4-FFF2-40B4-BE49-F238E27FC236}">
+                <a16:creationId xmlns:a16="http://schemas.microsoft.com/office/drawing/2014/main" id="{0FD73150-E69B-E94E-AFF8-BF4FF89DF37C}"/>
+              </a:ext>
+            </a:extLst>
+          </p:cNvPr>
+          <p:cNvPicPr>
+            <a:picLocks noChangeAspect="1" noChangeArrowheads="1"/>
+          </p:cNvPicPr>
+          <p:nvPr/>
+        </p:nvPicPr>
+        <p:blipFill>
+          <a:blip r:embed="rId4" cstate="print">
+            <a:extLst>
+              <a:ext uri="{28A0092B-C50C-407E-A947-70E740481C1C}">
+                <a14:useLocalDpi xmlns:a14="http://schemas.microsoft.com/office/drawing/2010/main" val="0"/>
+              </a:ext>
+            </a:extLst>
+          </a:blip>
+          <a:srcRect l="2818" t="9651" r="2068" b="9219"/>
+          <a:stretch>
+            <a:fillRect/>
+          </a:stretch>
+        </p:blipFill>
+        <p:spPr bwMode="auto">
+          <a:xfrm>
+            <a:off x="9186863" y="0"/>
+            <a:ext cx="3005137" cy="782637"/>
+          </a:xfrm>
+          <a:prstGeom prst="rect">
+            <a:avLst/>
+          </a:prstGeom>
+          <a:solidFill>
+            <a:schemeClr val="accent1"/>
+          </a:solidFill>
+          <a:ln>
+            <a:noFill/>
+          </a:ln>
+        </p:spPr>
+      </p:pic>
     </p:spTree>
     <p:extLst>
       <p:ext uri="{BB962C8B-B14F-4D97-AF65-F5344CB8AC3E}">
@@ -10745,6 +11003,49 @@
           </a:p>
         </p:txBody>
       </p:sp>
+      <p:pic>
+        <p:nvPicPr>
+          <p:cNvPr id="12" name="图片 2">
+            <a:extLst>
+              <a:ext uri="{FF2B5EF4-FFF2-40B4-BE49-F238E27FC236}">
+                <a16:creationId xmlns:a16="http://schemas.microsoft.com/office/drawing/2014/main" id="{253AED4D-5773-1B46-9804-D6FF4D244E9F}"/>
+              </a:ext>
+            </a:extLst>
+          </p:cNvPr>
+          <p:cNvPicPr>
+            <a:picLocks noChangeAspect="1" noChangeArrowheads="1"/>
+          </p:cNvPicPr>
+          <p:nvPr/>
+        </p:nvPicPr>
+        <p:blipFill>
+          <a:blip r:embed="rId4" cstate="print">
+            <a:extLst>
+              <a:ext uri="{28A0092B-C50C-407E-A947-70E740481C1C}">
+                <a14:useLocalDpi xmlns:a14="http://schemas.microsoft.com/office/drawing/2010/main" val="0"/>
+              </a:ext>
+            </a:extLst>
+          </a:blip>
+          <a:srcRect l="2818" t="9651" r="2068" b="9219"/>
+          <a:stretch>
+            <a:fillRect/>
+          </a:stretch>
+        </p:blipFill>
+        <p:spPr bwMode="auto">
+          <a:xfrm>
+            <a:off x="9186863" y="0"/>
+            <a:ext cx="3005137" cy="782637"/>
+          </a:xfrm>
+          <a:prstGeom prst="rect">
+            <a:avLst/>
+          </a:prstGeom>
+          <a:solidFill>
+            <a:schemeClr val="accent1"/>
+          </a:solidFill>
+          <a:ln>
+            <a:noFill/>
+          </a:ln>
+        </p:spPr>
+      </p:pic>
     </p:spTree>
     <p:extLst>
       <p:ext uri="{BB962C8B-B14F-4D97-AF65-F5344CB8AC3E}">
@@ -11210,6 +11511,49 @@
           </a:p>
         </p:txBody>
       </p:sp>
+      <p:pic>
+        <p:nvPicPr>
+          <p:cNvPr id="12" name="图片 2">
+            <a:extLst>
+              <a:ext uri="{FF2B5EF4-FFF2-40B4-BE49-F238E27FC236}">
+                <a16:creationId xmlns:a16="http://schemas.microsoft.com/office/drawing/2014/main" id="{599CF3FE-C117-2147-847E-75529F8E1E59}"/>
+              </a:ext>
+            </a:extLst>
+          </p:cNvPr>
+          <p:cNvPicPr>
+            <a:picLocks noChangeAspect="1" noChangeArrowheads="1"/>
+          </p:cNvPicPr>
+          <p:nvPr/>
+        </p:nvPicPr>
+        <p:blipFill>
+          <a:blip r:embed="rId4" cstate="print">
+            <a:extLst>
+              <a:ext uri="{28A0092B-C50C-407E-A947-70E740481C1C}">
+                <a14:useLocalDpi xmlns:a14="http://schemas.microsoft.com/office/drawing/2010/main" val="0"/>
+              </a:ext>
+            </a:extLst>
+          </a:blip>
+          <a:srcRect l="2818" t="9651" r="2068" b="9219"/>
+          <a:stretch>
+            <a:fillRect/>
+          </a:stretch>
+        </p:blipFill>
+        <p:spPr bwMode="auto">
+          <a:xfrm>
+            <a:off x="9186863" y="0"/>
+            <a:ext cx="3005137" cy="782637"/>
+          </a:xfrm>
+          <a:prstGeom prst="rect">
+            <a:avLst/>
+          </a:prstGeom>
+          <a:solidFill>
+            <a:schemeClr val="accent1"/>
+          </a:solidFill>
+          <a:ln>
+            <a:noFill/>
+          </a:ln>
+        </p:spPr>
+      </p:pic>
     </p:spTree>
     <p:extLst>
       <p:ext uri="{BB962C8B-B14F-4D97-AF65-F5344CB8AC3E}">
@@ -11995,6 +12339,49 @@
           </a:fontRef>
         </p:style>
       </p:cxnSp>
+      <p:pic>
+        <p:nvPicPr>
+          <p:cNvPr id="12" name="图片 2">
+            <a:extLst>
+              <a:ext uri="{FF2B5EF4-FFF2-40B4-BE49-F238E27FC236}">
+                <a16:creationId xmlns:a16="http://schemas.microsoft.com/office/drawing/2014/main" id="{447DC65C-FA15-7549-A766-EFC445FDC54F}"/>
+              </a:ext>
+            </a:extLst>
+          </p:cNvPr>
+          <p:cNvPicPr>
+            <a:picLocks noChangeAspect="1" noChangeArrowheads="1"/>
+          </p:cNvPicPr>
+          <p:nvPr/>
+        </p:nvPicPr>
+        <p:blipFill>
+          <a:blip r:embed="rId4" cstate="print">
+            <a:extLst>
+              <a:ext uri="{28A0092B-C50C-407E-A947-70E740481C1C}">
+                <a14:useLocalDpi xmlns:a14="http://schemas.microsoft.com/office/drawing/2010/main" val="0"/>
+              </a:ext>
+            </a:extLst>
+          </a:blip>
+          <a:srcRect l="2818" t="9651" r="2068" b="9219"/>
+          <a:stretch>
+            <a:fillRect/>
+          </a:stretch>
+        </p:blipFill>
+        <p:spPr bwMode="auto">
+          <a:xfrm>
+            <a:off x="9186863" y="0"/>
+            <a:ext cx="3005137" cy="782637"/>
+          </a:xfrm>
+          <a:prstGeom prst="rect">
+            <a:avLst/>
+          </a:prstGeom>
+          <a:solidFill>
+            <a:schemeClr val="accent1"/>
+          </a:solidFill>
+          <a:ln>
+            <a:noFill/>
+          </a:ln>
+        </p:spPr>
+      </p:pic>
     </p:spTree>
     <p:extLst>
       <p:ext uri="{BB962C8B-B14F-4D97-AF65-F5344CB8AC3E}">
@@ -12068,11 +12455,54 @@
                 <a:latin typeface="Microsoft YaHei" panose="020B0503020204020204" pitchFamily="34" charset="-122"/>
                 <a:ea typeface="Microsoft YaHei" panose="020B0503020204020204" pitchFamily="34" charset="-122"/>
               </a:rPr>
-              <a:t>这堂课我们学了撒？</a:t>
-            </a:r>
-          </a:p>
-        </p:txBody>
-      </p:sp>
+              <a:t>这堂课我们学了啥？</a:t>
+            </a:r>
+          </a:p>
+        </p:txBody>
+      </p:sp>
+      <p:pic>
+        <p:nvPicPr>
+          <p:cNvPr id="3" name="图片 2">
+            <a:extLst>
+              <a:ext uri="{FF2B5EF4-FFF2-40B4-BE49-F238E27FC236}">
+                <a16:creationId xmlns:a16="http://schemas.microsoft.com/office/drawing/2014/main" id="{118DE2AA-7671-034C-86C3-9528B42C230B}"/>
+              </a:ext>
+            </a:extLst>
+          </p:cNvPr>
+          <p:cNvPicPr>
+            <a:picLocks noChangeAspect="1" noChangeArrowheads="1"/>
+          </p:cNvPicPr>
+          <p:nvPr/>
+        </p:nvPicPr>
+        <p:blipFill>
+          <a:blip r:embed="rId4" cstate="print">
+            <a:extLst>
+              <a:ext uri="{28A0092B-C50C-407E-A947-70E740481C1C}">
+                <a14:useLocalDpi xmlns:a14="http://schemas.microsoft.com/office/drawing/2010/main" val="0"/>
+              </a:ext>
+            </a:extLst>
+          </a:blip>
+          <a:srcRect l="2818" t="9651" r="2068" b="9219"/>
+          <a:stretch>
+            <a:fillRect/>
+          </a:stretch>
+        </p:blipFill>
+        <p:spPr bwMode="auto">
+          <a:xfrm>
+            <a:off x="9186863" y="0"/>
+            <a:ext cx="3005137" cy="782637"/>
+          </a:xfrm>
+          <a:prstGeom prst="rect">
+            <a:avLst/>
+          </a:prstGeom>
+          <a:solidFill>
+            <a:schemeClr val="accent1"/>
+          </a:solidFill>
+          <a:ln>
+            <a:noFill/>
+          </a:ln>
+        </p:spPr>
+      </p:pic>
     </p:spTree>
     <p:extLst>
       <p:ext uri="{BB962C8B-B14F-4D97-AF65-F5344CB8AC3E}">
@@ -12317,6 +12747,49 @@
           </a:p>
         </p:txBody>
       </p:sp>
+      <p:pic>
+        <p:nvPicPr>
+          <p:cNvPr id="4" name="图片 2">
+            <a:extLst>
+              <a:ext uri="{FF2B5EF4-FFF2-40B4-BE49-F238E27FC236}">
+                <a16:creationId xmlns:a16="http://schemas.microsoft.com/office/drawing/2014/main" id="{DA2612CE-42F5-C14D-B4FB-9A598CC26146}"/>
+              </a:ext>
+            </a:extLst>
+          </p:cNvPr>
+          <p:cNvPicPr>
+            <a:picLocks noChangeAspect="1" noChangeArrowheads="1"/>
+          </p:cNvPicPr>
+          <p:nvPr/>
+        </p:nvPicPr>
+        <p:blipFill>
+          <a:blip r:embed="rId3" cstate="print">
+            <a:extLst>
+              <a:ext uri="{28A0092B-C50C-407E-A947-70E740481C1C}">
+                <a14:useLocalDpi xmlns:a14="http://schemas.microsoft.com/office/drawing/2010/main" val="0"/>
+              </a:ext>
+            </a:extLst>
+          </a:blip>
+          <a:srcRect l="2818" t="9651" r="2068" b="9219"/>
+          <a:stretch>
+            <a:fillRect/>
+          </a:stretch>
+        </p:blipFill>
+        <p:spPr bwMode="auto">
+          <a:xfrm>
+            <a:off x="9186863" y="0"/>
+            <a:ext cx="3005137" cy="782637"/>
+          </a:xfrm>
+          <a:prstGeom prst="rect">
+            <a:avLst/>
+          </a:prstGeom>
+          <a:solidFill>
+            <a:schemeClr val="accent1"/>
+          </a:solidFill>
+          <a:ln>
+            <a:noFill/>
+          </a:ln>
+        </p:spPr>
+      </p:pic>
     </p:spTree>
     <p:extLst>
       <p:ext uri="{BB962C8B-B14F-4D97-AF65-F5344CB8AC3E}">
@@ -12629,6 +13102,49 @@
           <a:prstGeom prst="rect">
             <a:avLst/>
           </a:prstGeom>
+        </p:spPr>
+      </p:pic>
+      <p:pic>
+        <p:nvPicPr>
+          <p:cNvPr id="9" name="图片 2">
+            <a:extLst>
+              <a:ext uri="{FF2B5EF4-FFF2-40B4-BE49-F238E27FC236}">
+                <a16:creationId xmlns:a16="http://schemas.microsoft.com/office/drawing/2014/main" id="{9C835B8D-02C4-F746-9E62-F28D919B6902}"/>
+              </a:ext>
+            </a:extLst>
+          </p:cNvPr>
+          <p:cNvPicPr>
+            <a:picLocks noChangeAspect="1" noChangeArrowheads="1"/>
+          </p:cNvPicPr>
+          <p:nvPr/>
+        </p:nvPicPr>
+        <p:blipFill>
+          <a:blip r:embed="rId5" cstate="print">
+            <a:extLst>
+              <a:ext uri="{28A0092B-C50C-407E-A947-70E740481C1C}">
+                <a14:useLocalDpi xmlns:a14="http://schemas.microsoft.com/office/drawing/2010/main" val="0"/>
+              </a:ext>
+            </a:extLst>
+          </a:blip>
+          <a:srcRect l="2818" t="9651" r="2068" b="9219"/>
+          <a:stretch>
+            <a:fillRect/>
+          </a:stretch>
+        </p:blipFill>
+        <p:spPr bwMode="auto">
+          <a:xfrm>
+            <a:off x="9186863" y="0"/>
+            <a:ext cx="3005137" cy="782637"/>
+          </a:xfrm>
+          <a:prstGeom prst="rect">
+            <a:avLst/>
+          </a:prstGeom>
+          <a:solidFill>
+            <a:schemeClr val="accent1"/>
+          </a:solidFill>
+          <a:ln>
+            <a:noFill/>
+          </a:ln>
         </p:spPr>
       </p:pic>
     </p:spTree>
@@ -12812,6 +13328,49 @@
           </a:p>
         </p:txBody>
       </p:sp>
+      <p:pic>
+        <p:nvPicPr>
+          <p:cNvPr id="9" name="图片 2">
+            <a:extLst>
+              <a:ext uri="{FF2B5EF4-FFF2-40B4-BE49-F238E27FC236}">
+                <a16:creationId xmlns:a16="http://schemas.microsoft.com/office/drawing/2014/main" id="{ACB8BE77-6CD9-5F40-B301-236C1744F199}"/>
+              </a:ext>
+            </a:extLst>
+          </p:cNvPr>
+          <p:cNvPicPr>
+            <a:picLocks noChangeAspect="1" noChangeArrowheads="1"/>
+          </p:cNvPicPr>
+          <p:nvPr/>
+        </p:nvPicPr>
+        <p:blipFill>
+          <a:blip r:embed="rId6" cstate="print">
+            <a:extLst>
+              <a:ext uri="{28A0092B-C50C-407E-A947-70E740481C1C}">
+                <a14:useLocalDpi xmlns:a14="http://schemas.microsoft.com/office/drawing/2010/main" val="0"/>
+              </a:ext>
+            </a:extLst>
+          </a:blip>
+          <a:srcRect l="2818" t="9651" r="2068" b="9219"/>
+          <a:stretch>
+            <a:fillRect/>
+          </a:stretch>
+        </p:blipFill>
+        <p:spPr bwMode="auto">
+          <a:xfrm>
+            <a:off x="9186863" y="0"/>
+            <a:ext cx="3005137" cy="782637"/>
+          </a:xfrm>
+          <a:prstGeom prst="rect">
+            <a:avLst/>
+          </a:prstGeom>
+          <a:solidFill>
+            <a:schemeClr val="accent1"/>
+          </a:solidFill>
+          <a:ln>
+            <a:noFill/>
+          </a:ln>
+        </p:spPr>
+      </p:pic>
     </p:spTree>
     <p:extLst>
       <p:ext uri="{BB962C8B-B14F-4D97-AF65-F5344CB8AC3E}">
@@ -13731,6 +14290,49 @@
           </a:p>
         </p:txBody>
       </p:sp>
+      <p:pic>
+        <p:nvPicPr>
+          <p:cNvPr id="19" name="图片 2">
+            <a:extLst>
+              <a:ext uri="{FF2B5EF4-FFF2-40B4-BE49-F238E27FC236}">
+                <a16:creationId xmlns:a16="http://schemas.microsoft.com/office/drawing/2014/main" id="{A13098F4-6E66-334F-853F-A99F19506AC4}"/>
+              </a:ext>
+            </a:extLst>
+          </p:cNvPr>
+          <p:cNvPicPr>
+            <a:picLocks noChangeAspect="1" noChangeArrowheads="1"/>
+          </p:cNvPicPr>
+          <p:nvPr/>
+        </p:nvPicPr>
+        <p:blipFill>
+          <a:blip r:embed="rId3" cstate="print">
+            <a:extLst>
+              <a:ext uri="{28A0092B-C50C-407E-A947-70E740481C1C}">
+                <a14:useLocalDpi xmlns:a14="http://schemas.microsoft.com/office/drawing/2010/main" val="0"/>
+              </a:ext>
+            </a:extLst>
+          </a:blip>
+          <a:srcRect l="2818" t="9651" r="2068" b="9219"/>
+          <a:stretch>
+            <a:fillRect/>
+          </a:stretch>
+        </p:blipFill>
+        <p:spPr bwMode="auto">
+          <a:xfrm>
+            <a:off x="9186863" y="0"/>
+            <a:ext cx="3005137" cy="782637"/>
+          </a:xfrm>
+          <a:prstGeom prst="rect">
+            <a:avLst/>
+          </a:prstGeom>
+          <a:solidFill>
+            <a:schemeClr val="accent1"/>
+          </a:solidFill>
+          <a:ln>
+            <a:noFill/>
+          </a:ln>
+        </p:spPr>
+      </p:pic>
     </p:spTree>
     <p:extLst>
       <p:ext uri="{BB962C8B-B14F-4D97-AF65-F5344CB8AC3E}">
@@ -14154,6 +14756,49 @@
           </a:p>
         </p:txBody>
       </p:sp>
+      <p:pic>
+        <p:nvPicPr>
+          <p:cNvPr id="14" name="图片 2">
+            <a:extLst>
+              <a:ext uri="{FF2B5EF4-FFF2-40B4-BE49-F238E27FC236}">
+                <a16:creationId xmlns:a16="http://schemas.microsoft.com/office/drawing/2014/main" id="{AF9F8A6A-F782-1248-BA94-408A9BE23973}"/>
+              </a:ext>
+            </a:extLst>
+          </p:cNvPr>
+          <p:cNvPicPr>
+            <a:picLocks noChangeAspect="1" noChangeArrowheads="1"/>
+          </p:cNvPicPr>
+          <p:nvPr/>
+        </p:nvPicPr>
+        <p:blipFill>
+          <a:blip r:embed="rId10" cstate="print">
+            <a:extLst>
+              <a:ext uri="{28A0092B-C50C-407E-A947-70E740481C1C}">
+                <a14:useLocalDpi xmlns:a14="http://schemas.microsoft.com/office/drawing/2010/main" val="0"/>
+              </a:ext>
+            </a:extLst>
+          </a:blip>
+          <a:srcRect l="2818" t="9651" r="2068" b="9219"/>
+          <a:stretch>
+            <a:fillRect/>
+          </a:stretch>
+        </p:blipFill>
+        <p:spPr bwMode="auto">
+          <a:xfrm>
+            <a:off x="9186863" y="0"/>
+            <a:ext cx="3005137" cy="782637"/>
+          </a:xfrm>
+          <a:prstGeom prst="rect">
+            <a:avLst/>
+          </a:prstGeom>
+          <a:solidFill>
+            <a:schemeClr val="accent1"/>
+          </a:solidFill>
+          <a:ln>
+            <a:noFill/>
+          </a:ln>
+        </p:spPr>
+      </p:pic>
     </p:spTree>
     <p:extLst>
       <p:ext uri="{BB962C8B-B14F-4D97-AF65-F5344CB8AC3E}">
@@ -14685,6 +15330,49 @@
           </a:p>
         </p:txBody>
       </p:sp>
+      <p:pic>
+        <p:nvPicPr>
+          <p:cNvPr id="18" name="图片 2">
+            <a:extLst>
+              <a:ext uri="{FF2B5EF4-FFF2-40B4-BE49-F238E27FC236}">
+                <a16:creationId xmlns:a16="http://schemas.microsoft.com/office/drawing/2014/main" id="{ABE3EA40-7DE1-CC47-99FE-1DB193F94037}"/>
+              </a:ext>
+            </a:extLst>
+          </p:cNvPr>
+          <p:cNvPicPr>
+            <a:picLocks noChangeAspect="1" noChangeArrowheads="1"/>
+          </p:cNvPicPr>
+          <p:nvPr/>
+        </p:nvPicPr>
+        <p:blipFill>
+          <a:blip r:embed="rId22" cstate="print">
+            <a:extLst>
+              <a:ext uri="{28A0092B-C50C-407E-A947-70E740481C1C}">
+                <a14:useLocalDpi xmlns:a14="http://schemas.microsoft.com/office/drawing/2010/main" val="0"/>
+              </a:ext>
+            </a:extLst>
+          </a:blip>
+          <a:srcRect l="2818" t="9651" r="2068" b="9219"/>
+          <a:stretch>
+            <a:fillRect/>
+          </a:stretch>
+        </p:blipFill>
+        <p:spPr bwMode="auto">
+          <a:xfrm>
+            <a:off x="9186863" y="0"/>
+            <a:ext cx="3005137" cy="782637"/>
+          </a:xfrm>
+          <a:prstGeom prst="rect">
+            <a:avLst/>
+          </a:prstGeom>
+          <a:solidFill>
+            <a:schemeClr val="accent1"/>
+          </a:solidFill>
+          <a:ln>
+            <a:noFill/>
+          </a:ln>
+        </p:spPr>
+      </p:pic>
     </p:spTree>
     <p:extLst>
       <p:ext uri="{BB962C8B-B14F-4D97-AF65-F5344CB8AC3E}">
@@ -14943,6 +15631,49 @@
           </a:p>
         </p:txBody>
       </p:sp>
+      <p:pic>
+        <p:nvPicPr>
+          <p:cNvPr id="8" name="图片 2">
+            <a:extLst>
+              <a:ext uri="{FF2B5EF4-FFF2-40B4-BE49-F238E27FC236}">
+                <a16:creationId xmlns:a16="http://schemas.microsoft.com/office/drawing/2014/main" id="{0C19B98B-4A7D-EB4E-8788-4854BCEEF6E8}"/>
+              </a:ext>
+            </a:extLst>
+          </p:cNvPr>
+          <p:cNvPicPr>
+            <a:picLocks noChangeAspect="1" noChangeArrowheads="1"/>
+          </p:cNvPicPr>
+          <p:nvPr/>
+        </p:nvPicPr>
+        <p:blipFill>
+          <a:blip r:embed="rId4" cstate="print">
+            <a:extLst>
+              <a:ext uri="{28A0092B-C50C-407E-A947-70E740481C1C}">
+                <a14:useLocalDpi xmlns:a14="http://schemas.microsoft.com/office/drawing/2010/main" val="0"/>
+              </a:ext>
+            </a:extLst>
+          </a:blip>
+          <a:srcRect l="2818" t="9651" r="2068" b="9219"/>
+          <a:stretch>
+            <a:fillRect/>
+          </a:stretch>
+        </p:blipFill>
+        <p:spPr bwMode="auto">
+          <a:xfrm>
+            <a:off x="9186863" y="0"/>
+            <a:ext cx="3005137" cy="782637"/>
+          </a:xfrm>
+          <a:prstGeom prst="rect">
+            <a:avLst/>
+          </a:prstGeom>
+          <a:solidFill>
+            <a:schemeClr val="accent1"/>
+          </a:solidFill>
+          <a:ln>
+            <a:noFill/>
+          </a:ln>
+        </p:spPr>
+      </p:pic>
     </p:spTree>
     <p:extLst>
       <p:ext uri="{BB962C8B-B14F-4D97-AF65-F5344CB8AC3E}">
@@ -15235,6 +15966,49 @@
           </a:p>
         </p:txBody>
       </p:sp>
+      <p:pic>
+        <p:nvPicPr>
+          <p:cNvPr id="7" name="图片 2">
+            <a:extLst>
+              <a:ext uri="{FF2B5EF4-FFF2-40B4-BE49-F238E27FC236}">
+                <a16:creationId xmlns:a16="http://schemas.microsoft.com/office/drawing/2014/main" id="{CBFADCE4-1406-1140-9A04-5CE8E5315B0E}"/>
+              </a:ext>
+            </a:extLst>
+          </p:cNvPr>
+          <p:cNvPicPr>
+            <a:picLocks noChangeAspect="1" noChangeArrowheads="1"/>
+          </p:cNvPicPr>
+          <p:nvPr/>
+        </p:nvPicPr>
+        <p:blipFill>
+          <a:blip r:embed="rId4" cstate="print">
+            <a:extLst>
+              <a:ext uri="{28A0092B-C50C-407E-A947-70E740481C1C}">
+                <a14:useLocalDpi xmlns:a14="http://schemas.microsoft.com/office/drawing/2010/main" val="0"/>
+              </a:ext>
+            </a:extLst>
+          </a:blip>
+          <a:srcRect l="2818" t="9651" r="2068" b="9219"/>
+          <a:stretch>
+            <a:fillRect/>
+          </a:stretch>
+        </p:blipFill>
+        <p:spPr bwMode="auto">
+          <a:xfrm>
+            <a:off x="9186863" y="0"/>
+            <a:ext cx="3005137" cy="782637"/>
+          </a:xfrm>
+          <a:prstGeom prst="rect">
+            <a:avLst/>
+          </a:prstGeom>
+          <a:solidFill>
+            <a:schemeClr val="accent1"/>
+          </a:solidFill>
+          <a:ln>
+            <a:noFill/>
+          </a:ln>
+        </p:spPr>
+      </p:pic>
     </p:spTree>
     <p:extLst>
       <p:ext uri="{BB962C8B-B14F-4D97-AF65-F5344CB8AC3E}">

--- a/1.1绪论.pptx
+++ b/1.1绪论.pptx
@@ -246,7 +246,7 @@
           <a:p>
             <a:fld id="{66C3546E-20F6-7649-A9A4-4E4A245D3E82}" type="datetimeFigureOut">
               <a:rPr kumimoji="1" lang="zh-CN" altLang="en-US" smtClean="0"/>
-              <a:t>2020/2/8</a:t>
+              <a:t>2020/2/9</a:t>
             </a:fld>
             <a:endParaRPr kumimoji="1" lang="zh-CN" altLang="en-US"/>
           </a:p>
@@ -2007,7 +2007,7 @@
           <a:p>
             <a:fld id="{1C49BB65-7B3F-4D4E-A397-BBFD82890A5A}" type="datetimeFigureOut">
               <a:rPr kumimoji="1" lang="zh-CN" altLang="en-US" smtClean="0"/>
-              <a:t>2020/2/8</a:t>
+              <a:t>2020/2/9</a:t>
             </a:fld>
             <a:endParaRPr kumimoji="1" lang="zh-CN" altLang="en-US"/>
           </a:p>
@@ -2205,7 +2205,7 @@
           <a:p>
             <a:fld id="{1C49BB65-7B3F-4D4E-A397-BBFD82890A5A}" type="datetimeFigureOut">
               <a:rPr kumimoji="1" lang="zh-CN" altLang="en-US" smtClean="0"/>
-              <a:t>2020/2/8</a:t>
+              <a:t>2020/2/9</a:t>
             </a:fld>
             <a:endParaRPr kumimoji="1" lang="zh-CN" altLang="en-US"/>
           </a:p>
@@ -2413,7 +2413,7 @@
           <a:p>
             <a:fld id="{1C49BB65-7B3F-4D4E-A397-BBFD82890A5A}" type="datetimeFigureOut">
               <a:rPr kumimoji="1" lang="zh-CN" altLang="en-US" smtClean="0"/>
-              <a:t>2020/2/8</a:t>
+              <a:t>2020/2/9</a:t>
             </a:fld>
             <a:endParaRPr kumimoji="1" lang="zh-CN" altLang="en-US"/>
           </a:p>
@@ -2611,7 +2611,7 @@
           <a:p>
             <a:fld id="{1C49BB65-7B3F-4D4E-A397-BBFD82890A5A}" type="datetimeFigureOut">
               <a:rPr kumimoji="1" lang="zh-CN" altLang="en-US" smtClean="0"/>
-              <a:t>2020/2/8</a:t>
+              <a:t>2020/2/9</a:t>
             </a:fld>
             <a:endParaRPr kumimoji="1" lang="zh-CN" altLang="en-US"/>
           </a:p>
@@ -2886,7 +2886,7 @@
           <a:p>
             <a:fld id="{1C49BB65-7B3F-4D4E-A397-BBFD82890A5A}" type="datetimeFigureOut">
               <a:rPr kumimoji="1" lang="zh-CN" altLang="en-US" smtClean="0"/>
-              <a:t>2020/2/8</a:t>
+              <a:t>2020/2/9</a:t>
             </a:fld>
             <a:endParaRPr kumimoji="1" lang="zh-CN" altLang="en-US"/>
           </a:p>
@@ -3151,7 +3151,7 @@
           <a:p>
             <a:fld id="{1C49BB65-7B3F-4D4E-A397-BBFD82890A5A}" type="datetimeFigureOut">
               <a:rPr kumimoji="1" lang="zh-CN" altLang="en-US" smtClean="0"/>
-              <a:t>2020/2/8</a:t>
+              <a:t>2020/2/9</a:t>
             </a:fld>
             <a:endParaRPr kumimoji="1" lang="zh-CN" altLang="en-US"/>
           </a:p>
@@ -3563,7 +3563,7 @@
           <a:p>
             <a:fld id="{1C49BB65-7B3F-4D4E-A397-BBFD82890A5A}" type="datetimeFigureOut">
               <a:rPr kumimoji="1" lang="zh-CN" altLang="en-US" smtClean="0"/>
-              <a:t>2020/2/8</a:t>
+              <a:t>2020/2/9</a:t>
             </a:fld>
             <a:endParaRPr kumimoji="1" lang="zh-CN" altLang="en-US"/>
           </a:p>
@@ -3704,7 +3704,7 @@
           <a:p>
             <a:fld id="{1C49BB65-7B3F-4D4E-A397-BBFD82890A5A}" type="datetimeFigureOut">
               <a:rPr kumimoji="1" lang="zh-CN" altLang="en-US" smtClean="0"/>
-              <a:t>2020/2/8</a:t>
+              <a:t>2020/2/9</a:t>
             </a:fld>
             <a:endParaRPr kumimoji="1" lang="zh-CN" altLang="en-US"/>
           </a:p>
@@ -4074,7 +4074,7 @@
           <a:p>
             <a:fld id="{1C49BB65-7B3F-4D4E-A397-BBFD82890A5A}" type="datetimeFigureOut">
               <a:rPr kumimoji="1" lang="zh-CN" altLang="en-US" smtClean="0"/>
-              <a:t>2020/2/8</a:t>
+              <a:t>2020/2/9</a:t>
             </a:fld>
             <a:endParaRPr kumimoji="1" lang="zh-CN" altLang="en-US"/>
           </a:p>
@@ -4362,7 +4362,7 @@
           <a:p>
             <a:fld id="{1C49BB65-7B3F-4D4E-A397-BBFD82890A5A}" type="datetimeFigureOut">
               <a:rPr kumimoji="1" lang="zh-CN" altLang="en-US" smtClean="0"/>
-              <a:t>2020/2/8</a:t>
+              <a:t>2020/2/9</a:t>
             </a:fld>
             <a:endParaRPr kumimoji="1" lang="zh-CN" altLang="en-US"/>
           </a:p>
@@ -4603,7 +4603,7 @@
           <a:p>
             <a:fld id="{1C49BB65-7B3F-4D4E-A397-BBFD82890A5A}" type="datetimeFigureOut">
               <a:rPr kumimoji="1" lang="zh-CN" altLang="en-US" smtClean="0"/>
-              <a:t>2020/2/8</a:t>
+              <a:t>2020/2/9</a:t>
             </a:fld>
             <a:endParaRPr kumimoji="1" lang="zh-CN" altLang="en-US"/>
           </a:p>
@@ -5657,49 +5657,6 @@
           </a:p>
         </p:txBody>
       </p:sp>
-      <p:pic>
-        <p:nvPicPr>
-          <p:cNvPr id="12" name="图片 2">
-            <a:extLst>
-              <a:ext uri="{FF2B5EF4-FFF2-40B4-BE49-F238E27FC236}">
-                <a16:creationId xmlns:a16="http://schemas.microsoft.com/office/drawing/2014/main" id="{33A332FE-D4ED-084B-BE58-EC87D4661373}"/>
-              </a:ext>
-            </a:extLst>
-          </p:cNvPr>
-          <p:cNvPicPr>
-            <a:picLocks noChangeAspect="1" noChangeArrowheads="1"/>
-          </p:cNvPicPr>
-          <p:nvPr/>
-        </p:nvPicPr>
-        <p:blipFill>
-          <a:blip r:embed="rId4" cstate="print">
-            <a:extLst>
-              <a:ext uri="{28A0092B-C50C-407E-A947-70E740481C1C}">
-                <a14:useLocalDpi xmlns:a14="http://schemas.microsoft.com/office/drawing/2010/main" val="0"/>
-              </a:ext>
-            </a:extLst>
-          </a:blip>
-          <a:srcRect l="2818" t="9651" r="2068" b="9219"/>
-          <a:stretch>
-            <a:fillRect/>
-          </a:stretch>
-        </p:blipFill>
-        <p:spPr bwMode="auto">
-          <a:xfrm>
-            <a:off x="9186863" y="0"/>
-            <a:ext cx="3005137" cy="782637"/>
-          </a:xfrm>
-          <a:prstGeom prst="rect">
-            <a:avLst/>
-          </a:prstGeom>
-          <a:solidFill>
-            <a:schemeClr val="accent1"/>
-          </a:solidFill>
-          <a:ln>
-            <a:noFill/>
-          </a:ln>
-        </p:spPr>
-      </p:pic>
     </p:spTree>
     <p:extLst>
       <p:ext uri="{BB962C8B-B14F-4D97-AF65-F5344CB8AC3E}">
@@ -6409,49 +6366,6 @@
           </a:p>
         </p:txBody>
       </p:sp>
-      <p:pic>
-        <p:nvPicPr>
-          <p:cNvPr id="22" name="图片 2">
-            <a:extLst>
-              <a:ext uri="{FF2B5EF4-FFF2-40B4-BE49-F238E27FC236}">
-                <a16:creationId xmlns:a16="http://schemas.microsoft.com/office/drawing/2014/main" id="{E16E2D4B-4E7F-3E40-86F1-80353C9DADD0}"/>
-              </a:ext>
-            </a:extLst>
-          </p:cNvPr>
-          <p:cNvPicPr>
-            <a:picLocks noChangeAspect="1" noChangeArrowheads="1"/>
-          </p:cNvPicPr>
-          <p:nvPr/>
-        </p:nvPicPr>
-        <p:blipFill>
-          <a:blip r:embed="rId4" cstate="print">
-            <a:extLst>
-              <a:ext uri="{28A0092B-C50C-407E-A947-70E740481C1C}">
-                <a14:useLocalDpi xmlns:a14="http://schemas.microsoft.com/office/drawing/2010/main" val="0"/>
-              </a:ext>
-            </a:extLst>
-          </a:blip>
-          <a:srcRect l="2818" t="9651" r="2068" b="9219"/>
-          <a:stretch>
-            <a:fillRect/>
-          </a:stretch>
-        </p:blipFill>
-        <p:spPr bwMode="auto">
-          <a:xfrm>
-            <a:off x="9186863" y="0"/>
-            <a:ext cx="3005137" cy="782637"/>
-          </a:xfrm>
-          <a:prstGeom prst="rect">
-            <a:avLst/>
-          </a:prstGeom>
-          <a:solidFill>
-            <a:schemeClr val="accent1"/>
-          </a:solidFill>
-          <a:ln>
-            <a:noFill/>
-          </a:ln>
-        </p:spPr>
-      </p:pic>
     </p:spTree>
     <p:extLst>
       <p:ext uri="{BB962C8B-B14F-4D97-AF65-F5344CB8AC3E}">
@@ -7928,49 +7842,6 @@
           </a:p>
         </p:txBody>
       </p:sp>
-      <p:pic>
-        <p:nvPicPr>
-          <p:cNvPr id="29" name="图片 2">
-            <a:extLst>
-              <a:ext uri="{FF2B5EF4-FFF2-40B4-BE49-F238E27FC236}">
-                <a16:creationId xmlns:a16="http://schemas.microsoft.com/office/drawing/2014/main" id="{D897400A-D1C5-D144-9B23-81FBDFA08237}"/>
-              </a:ext>
-            </a:extLst>
-          </p:cNvPr>
-          <p:cNvPicPr>
-            <a:picLocks noChangeAspect="1" noChangeArrowheads="1"/>
-          </p:cNvPicPr>
-          <p:nvPr/>
-        </p:nvPicPr>
-        <p:blipFill>
-          <a:blip r:embed="rId4" cstate="print">
-            <a:extLst>
-              <a:ext uri="{28A0092B-C50C-407E-A947-70E740481C1C}">
-                <a14:useLocalDpi xmlns:a14="http://schemas.microsoft.com/office/drawing/2010/main" val="0"/>
-              </a:ext>
-            </a:extLst>
-          </a:blip>
-          <a:srcRect l="2818" t="9651" r="2068" b="9219"/>
-          <a:stretch>
-            <a:fillRect/>
-          </a:stretch>
-        </p:blipFill>
-        <p:spPr bwMode="auto">
-          <a:xfrm>
-            <a:off x="9186863" y="0"/>
-            <a:ext cx="3005137" cy="782637"/>
-          </a:xfrm>
-          <a:prstGeom prst="rect">
-            <a:avLst/>
-          </a:prstGeom>
-          <a:solidFill>
-            <a:schemeClr val="accent1"/>
-          </a:solidFill>
-          <a:ln>
-            <a:noFill/>
-          </a:ln>
-        </p:spPr>
-      </p:pic>
     </p:spTree>
     <p:extLst>
       <p:ext uri="{BB962C8B-B14F-4D97-AF65-F5344CB8AC3E}">
@@ -9323,49 +9194,6 @@
           </a:p>
         </p:txBody>
       </p:sp>
-      <p:pic>
-        <p:nvPicPr>
-          <p:cNvPr id="23" name="图片 2">
-            <a:extLst>
-              <a:ext uri="{FF2B5EF4-FFF2-40B4-BE49-F238E27FC236}">
-                <a16:creationId xmlns:a16="http://schemas.microsoft.com/office/drawing/2014/main" id="{88410733-0DE4-824E-B2A3-02899C3B2F1F}"/>
-              </a:ext>
-            </a:extLst>
-          </p:cNvPr>
-          <p:cNvPicPr>
-            <a:picLocks noChangeAspect="1" noChangeArrowheads="1"/>
-          </p:cNvPicPr>
-          <p:nvPr/>
-        </p:nvPicPr>
-        <p:blipFill>
-          <a:blip r:embed="rId4" cstate="print">
-            <a:extLst>
-              <a:ext uri="{28A0092B-C50C-407E-A947-70E740481C1C}">
-                <a14:useLocalDpi xmlns:a14="http://schemas.microsoft.com/office/drawing/2010/main" val="0"/>
-              </a:ext>
-            </a:extLst>
-          </a:blip>
-          <a:srcRect l="2818" t="9651" r="2068" b="9219"/>
-          <a:stretch>
-            <a:fillRect/>
-          </a:stretch>
-        </p:blipFill>
-        <p:spPr bwMode="auto">
-          <a:xfrm>
-            <a:off x="9186863" y="0"/>
-            <a:ext cx="3005137" cy="782637"/>
-          </a:xfrm>
-          <a:prstGeom prst="rect">
-            <a:avLst/>
-          </a:prstGeom>
-          <a:solidFill>
-            <a:schemeClr val="accent1"/>
-          </a:solidFill>
-          <a:ln>
-            <a:noFill/>
-          </a:ln>
-        </p:spPr>
-      </p:pic>
     </p:spTree>
     <p:extLst>
       <p:ext uri="{BB962C8B-B14F-4D97-AF65-F5344CB8AC3E}">
@@ -10451,49 +10279,6 @@
           </a:p>
         </p:txBody>
       </p:sp>
-      <p:pic>
-        <p:nvPicPr>
-          <p:cNvPr id="29" name="图片 2">
-            <a:extLst>
-              <a:ext uri="{FF2B5EF4-FFF2-40B4-BE49-F238E27FC236}">
-                <a16:creationId xmlns:a16="http://schemas.microsoft.com/office/drawing/2014/main" id="{0FD73150-E69B-E94E-AFF8-BF4FF89DF37C}"/>
-              </a:ext>
-            </a:extLst>
-          </p:cNvPr>
-          <p:cNvPicPr>
-            <a:picLocks noChangeAspect="1" noChangeArrowheads="1"/>
-          </p:cNvPicPr>
-          <p:nvPr/>
-        </p:nvPicPr>
-        <p:blipFill>
-          <a:blip r:embed="rId4" cstate="print">
-            <a:extLst>
-              <a:ext uri="{28A0092B-C50C-407E-A947-70E740481C1C}">
-                <a14:useLocalDpi xmlns:a14="http://schemas.microsoft.com/office/drawing/2010/main" val="0"/>
-              </a:ext>
-            </a:extLst>
-          </a:blip>
-          <a:srcRect l="2818" t="9651" r="2068" b="9219"/>
-          <a:stretch>
-            <a:fillRect/>
-          </a:stretch>
-        </p:blipFill>
-        <p:spPr bwMode="auto">
-          <a:xfrm>
-            <a:off x="9186863" y="0"/>
-            <a:ext cx="3005137" cy="782637"/>
-          </a:xfrm>
-          <a:prstGeom prst="rect">
-            <a:avLst/>
-          </a:prstGeom>
-          <a:solidFill>
-            <a:schemeClr val="accent1"/>
-          </a:solidFill>
-          <a:ln>
-            <a:noFill/>
-          </a:ln>
-        </p:spPr>
-      </p:pic>
     </p:spTree>
     <p:extLst>
       <p:ext uri="{BB962C8B-B14F-4D97-AF65-F5344CB8AC3E}">
@@ -11003,49 +10788,6 @@
           </a:p>
         </p:txBody>
       </p:sp>
-      <p:pic>
-        <p:nvPicPr>
-          <p:cNvPr id="12" name="图片 2">
-            <a:extLst>
-              <a:ext uri="{FF2B5EF4-FFF2-40B4-BE49-F238E27FC236}">
-                <a16:creationId xmlns:a16="http://schemas.microsoft.com/office/drawing/2014/main" id="{253AED4D-5773-1B46-9804-D6FF4D244E9F}"/>
-              </a:ext>
-            </a:extLst>
-          </p:cNvPr>
-          <p:cNvPicPr>
-            <a:picLocks noChangeAspect="1" noChangeArrowheads="1"/>
-          </p:cNvPicPr>
-          <p:nvPr/>
-        </p:nvPicPr>
-        <p:blipFill>
-          <a:blip r:embed="rId4" cstate="print">
-            <a:extLst>
-              <a:ext uri="{28A0092B-C50C-407E-A947-70E740481C1C}">
-                <a14:useLocalDpi xmlns:a14="http://schemas.microsoft.com/office/drawing/2010/main" val="0"/>
-              </a:ext>
-            </a:extLst>
-          </a:blip>
-          <a:srcRect l="2818" t="9651" r="2068" b="9219"/>
-          <a:stretch>
-            <a:fillRect/>
-          </a:stretch>
-        </p:blipFill>
-        <p:spPr bwMode="auto">
-          <a:xfrm>
-            <a:off x="9186863" y="0"/>
-            <a:ext cx="3005137" cy="782637"/>
-          </a:xfrm>
-          <a:prstGeom prst="rect">
-            <a:avLst/>
-          </a:prstGeom>
-          <a:solidFill>
-            <a:schemeClr val="accent1"/>
-          </a:solidFill>
-          <a:ln>
-            <a:noFill/>
-          </a:ln>
-        </p:spPr>
-      </p:pic>
     </p:spTree>
     <p:extLst>
       <p:ext uri="{BB962C8B-B14F-4D97-AF65-F5344CB8AC3E}">
@@ -11511,49 +11253,6 @@
           </a:p>
         </p:txBody>
       </p:sp>
-      <p:pic>
-        <p:nvPicPr>
-          <p:cNvPr id="12" name="图片 2">
-            <a:extLst>
-              <a:ext uri="{FF2B5EF4-FFF2-40B4-BE49-F238E27FC236}">
-                <a16:creationId xmlns:a16="http://schemas.microsoft.com/office/drawing/2014/main" id="{599CF3FE-C117-2147-847E-75529F8E1E59}"/>
-              </a:ext>
-            </a:extLst>
-          </p:cNvPr>
-          <p:cNvPicPr>
-            <a:picLocks noChangeAspect="1" noChangeArrowheads="1"/>
-          </p:cNvPicPr>
-          <p:nvPr/>
-        </p:nvPicPr>
-        <p:blipFill>
-          <a:blip r:embed="rId4" cstate="print">
-            <a:extLst>
-              <a:ext uri="{28A0092B-C50C-407E-A947-70E740481C1C}">
-                <a14:useLocalDpi xmlns:a14="http://schemas.microsoft.com/office/drawing/2010/main" val="0"/>
-              </a:ext>
-            </a:extLst>
-          </a:blip>
-          <a:srcRect l="2818" t="9651" r="2068" b="9219"/>
-          <a:stretch>
-            <a:fillRect/>
-          </a:stretch>
-        </p:blipFill>
-        <p:spPr bwMode="auto">
-          <a:xfrm>
-            <a:off x="9186863" y="0"/>
-            <a:ext cx="3005137" cy="782637"/>
-          </a:xfrm>
-          <a:prstGeom prst="rect">
-            <a:avLst/>
-          </a:prstGeom>
-          <a:solidFill>
-            <a:schemeClr val="accent1"/>
-          </a:solidFill>
-          <a:ln>
-            <a:noFill/>
-          </a:ln>
-        </p:spPr>
-      </p:pic>
     </p:spTree>
     <p:extLst>
       <p:ext uri="{BB962C8B-B14F-4D97-AF65-F5344CB8AC3E}">
@@ -12339,49 +12038,6 @@
           </a:fontRef>
         </p:style>
       </p:cxnSp>
-      <p:pic>
-        <p:nvPicPr>
-          <p:cNvPr id="12" name="图片 2">
-            <a:extLst>
-              <a:ext uri="{FF2B5EF4-FFF2-40B4-BE49-F238E27FC236}">
-                <a16:creationId xmlns:a16="http://schemas.microsoft.com/office/drawing/2014/main" id="{447DC65C-FA15-7549-A766-EFC445FDC54F}"/>
-              </a:ext>
-            </a:extLst>
-          </p:cNvPr>
-          <p:cNvPicPr>
-            <a:picLocks noChangeAspect="1" noChangeArrowheads="1"/>
-          </p:cNvPicPr>
-          <p:nvPr/>
-        </p:nvPicPr>
-        <p:blipFill>
-          <a:blip r:embed="rId4" cstate="print">
-            <a:extLst>
-              <a:ext uri="{28A0092B-C50C-407E-A947-70E740481C1C}">
-                <a14:useLocalDpi xmlns:a14="http://schemas.microsoft.com/office/drawing/2010/main" val="0"/>
-              </a:ext>
-            </a:extLst>
-          </a:blip>
-          <a:srcRect l="2818" t="9651" r="2068" b="9219"/>
-          <a:stretch>
-            <a:fillRect/>
-          </a:stretch>
-        </p:blipFill>
-        <p:spPr bwMode="auto">
-          <a:xfrm>
-            <a:off x="9186863" y="0"/>
-            <a:ext cx="3005137" cy="782637"/>
-          </a:xfrm>
-          <a:prstGeom prst="rect">
-            <a:avLst/>
-          </a:prstGeom>
-          <a:solidFill>
-            <a:schemeClr val="accent1"/>
-          </a:solidFill>
-          <a:ln>
-            <a:noFill/>
-          </a:ln>
-        </p:spPr>
-      </p:pic>
     </p:spTree>
     <p:extLst>
       <p:ext uri="{BB962C8B-B14F-4D97-AF65-F5344CB8AC3E}">
@@ -12460,49 +12116,6 @@
           </a:p>
         </p:txBody>
       </p:sp>
-      <p:pic>
-        <p:nvPicPr>
-          <p:cNvPr id="3" name="图片 2">
-            <a:extLst>
-              <a:ext uri="{FF2B5EF4-FFF2-40B4-BE49-F238E27FC236}">
-                <a16:creationId xmlns:a16="http://schemas.microsoft.com/office/drawing/2014/main" id="{118DE2AA-7671-034C-86C3-9528B42C230B}"/>
-              </a:ext>
-            </a:extLst>
-          </p:cNvPr>
-          <p:cNvPicPr>
-            <a:picLocks noChangeAspect="1" noChangeArrowheads="1"/>
-          </p:cNvPicPr>
-          <p:nvPr/>
-        </p:nvPicPr>
-        <p:blipFill>
-          <a:blip r:embed="rId4" cstate="print">
-            <a:extLst>
-              <a:ext uri="{28A0092B-C50C-407E-A947-70E740481C1C}">
-                <a14:useLocalDpi xmlns:a14="http://schemas.microsoft.com/office/drawing/2010/main" val="0"/>
-              </a:ext>
-            </a:extLst>
-          </a:blip>
-          <a:srcRect l="2818" t="9651" r="2068" b="9219"/>
-          <a:stretch>
-            <a:fillRect/>
-          </a:stretch>
-        </p:blipFill>
-        <p:spPr bwMode="auto">
-          <a:xfrm>
-            <a:off x="9186863" y="0"/>
-            <a:ext cx="3005137" cy="782637"/>
-          </a:xfrm>
-          <a:prstGeom prst="rect">
-            <a:avLst/>
-          </a:prstGeom>
-          <a:solidFill>
-            <a:schemeClr val="accent1"/>
-          </a:solidFill>
-          <a:ln>
-            <a:noFill/>
-          </a:ln>
-        </p:spPr>
-      </p:pic>
     </p:spTree>
     <p:extLst>
       <p:ext uri="{BB962C8B-B14F-4D97-AF65-F5344CB8AC3E}">
@@ -12747,49 +12360,6 @@
           </a:p>
         </p:txBody>
       </p:sp>
-      <p:pic>
-        <p:nvPicPr>
-          <p:cNvPr id="4" name="图片 2">
-            <a:extLst>
-              <a:ext uri="{FF2B5EF4-FFF2-40B4-BE49-F238E27FC236}">
-                <a16:creationId xmlns:a16="http://schemas.microsoft.com/office/drawing/2014/main" id="{DA2612CE-42F5-C14D-B4FB-9A598CC26146}"/>
-              </a:ext>
-            </a:extLst>
-          </p:cNvPr>
-          <p:cNvPicPr>
-            <a:picLocks noChangeAspect="1" noChangeArrowheads="1"/>
-          </p:cNvPicPr>
-          <p:nvPr/>
-        </p:nvPicPr>
-        <p:blipFill>
-          <a:blip r:embed="rId3" cstate="print">
-            <a:extLst>
-              <a:ext uri="{28A0092B-C50C-407E-A947-70E740481C1C}">
-                <a14:useLocalDpi xmlns:a14="http://schemas.microsoft.com/office/drawing/2010/main" val="0"/>
-              </a:ext>
-            </a:extLst>
-          </a:blip>
-          <a:srcRect l="2818" t="9651" r="2068" b="9219"/>
-          <a:stretch>
-            <a:fillRect/>
-          </a:stretch>
-        </p:blipFill>
-        <p:spPr bwMode="auto">
-          <a:xfrm>
-            <a:off x="9186863" y="0"/>
-            <a:ext cx="3005137" cy="782637"/>
-          </a:xfrm>
-          <a:prstGeom prst="rect">
-            <a:avLst/>
-          </a:prstGeom>
-          <a:solidFill>
-            <a:schemeClr val="accent1"/>
-          </a:solidFill>
-          <a:ln>
-            <a:noFill/>
-          </a:ln>
-        </p:spPr>
-      </p:pic>
     </p:spTree>
     <p:extLst>
       <p:ext uri="{BB962C8B-B14F-4D97-AF65-F5344CB8AC3E}">
@@ -13102,49 +12672,6 @@
           <a:prstGeom prst="rect">
             <a:avLst/>
           </a:prstGeom>
-        </p:spPr>
-      </p:pic>
-      <p:pic>
-        <p:nvPicPr>
-          <p:cNvPr id="9" name="图片 2">
-            <a:extLst>
-              <a:ext uri="{FF2B5EF4-FFF2-40B4-BE49-F238E27FC236}">
-                <a16:creationId xmlns:a16="http://schemas.microsoft.com/office/drawing/2014/main" id="{9C835B8D-02C4-F746-9E62-F28D919B6902}"/>
-              </a:ext>
-            </a:extLst>
-          </p:cNvPr>
-          <p:cNvPicPr>
-            <a:picLocks noChangeAspect="1" noChangeArrowheads="1"/>
-          </p:cNvPicPr>
-          <p:nvPr/>
-        </p:nvPicPr>
-        <p:blipFill>
-          <a:blip r:embed="rId5" cstate="print">
-            <a:extLst>
-              <a:ext uri="{28A0092B-C50C-407E-A947-70E740481C1C}">
-                <a14:useLocalDpi xmlns:a14="http://schemas.microsoft.com/office/drawing/2010/main" val="0"/>
-              </a:ext>
-            </a:extLst>
-          </a:blip>
-          <a:srcRect l="2818" t="9651" r="2068" b="9219"/>
-          <a:stretch>
-            <a:fillRect/>
-          </a:stretch>
-        </p:blipFill>
-        <p:spPr bwMode="auto">
-          <a:xfrm>
-            <a:off x="9186863" y="0"/>
-            <a:ext cx="3005137" cy="782637"/>
-          </a:xfrm>
-          <a:prstGeom prst="rect">
-            <a:avLst/>
-          </a:prstGeom>
-          <a:solidFill>
-            <a:schemeClr val="accent1"/>
-          </a:solidFill>
-          <a:ln>
-            <a:noFill/>
-          </a:ln>
         </p:spPr>
       </p:pic>
     </p:spTree>
@@ -13328,49 +12855,6 @@
           </a:p>
         </p:txBody>
       </p:sp>
-      <p:pic>
-        <p:nvPicPr>
-          <p:cNvPr id="9" name="图片 2">
-            <a:extLst>
-              <a:ext uri="{FF2B5EF4-FFF2-40B4-BE49-F238E27FC236}">
-                <a16:creationId xmlns:a16="http://schemas.microsoft.com/office/drawing/2014/main" id="{ACB8BE77-6CD9-5F40-B301-236C1744F199}"/>
-              </a:ext>
-            </a:extLst>
-          </p:cNvPr>
-          <p:cNvPicPr>
-            <a:picLocks noChangeAspect="1" noChangeArrowheads="1"/>
-          </p:cNvPicPr>
-          <p:nvPr/>
-        </p:nvPicPr>
-        <p:blipFill>
-          <a:blip r:embed="rId6" cstate="print">
-            <a:extLst>
-              <a:ext uri="{28A0092B-C50C-407E-A947-70E740481C1C}">
-                <a14:useLocalDpi xmlns:a14="http://schemas.microsoft.com/office/drawing/2010/main" val="0"/>
-              </a:ext>
-            </a:extLst>
-          </a:blip>
-          <a:srcRect l="2818" t="9651" r="2068" b="9219"/>
-          <a:stretch>
-            <a:fillRect/>
-          </a:stretch>
-        </p:blipFill>
-        <p:spPr bwMode="auto">
-          <a:xfrm>
-            <a:off x="9186863" y="0"/>
-            <a:ext cx="3005137" cy="782637"/>
-          </a:xfrm>
-          <a:prstGeom prst="rect">
-            <a:avLst/>
-          </a:prstGeom>
-          <a:solidFill>
-            <a:schemeClr val="accent1"/>
-          </a:solidFill>
-          <a:ln>
-            <a:noFill/>
-          </a:ln>
-        </p:spPr>
-      </p:pic>
     </p:spTree>
     <p:extLst>
       <p:ext uri="{BB962C8B-B14F-4D97-AF65-F5344CB8AC3E}">
@@ -14290,49 +13774,6 @@
           </a:p>
         </p:txBody>
       </p:sp>
-      <p:pic>
-        <p:nvPicPr>
-          <p:cNvPr id="19" name="图片 2">
-            <a:extLst>
-              <a:ext uri="{FF2B5EF4-FFF2-40B4-BE49-F238E27FC236}">
-                <a16:creationId xmlns:a16="http://schemas.microsoft.com/office/drawing/2014/main" id="{A13098F4-6E66-334F-853F-A99F19506AC4}"/>
-              </a:ext>
-            </a:extLst>
-          </p:cNvPr>
-          <p:cNvPicPr>
-            <a:picLocks noChangeAspect="1" noChangeArrowheads="1"/>
-          </p:cNvPicPr>
-          <p:nvPr/>
-        </p:nvPicPr>
-        <p:blipFill>
-          <a:blip r:embed="rId3" cstate="print">
-            <a:extLst>
-              <a:ext uri="{28A0092B-C50C-407E-A947-70E740481C1C}">
-                <a14:useLocalDpi xmlns:a14="http://schemas.microsoft.com/office/drawing/2010/main" val="0"/>
-              </a:ext>
-            </a:extLst>
-          </a:blip>
-          <a:srcRect l="2818" t="9651" r="2068" b="9219"/>
-          <a:stretch>
-            <a:fillRect/>
-          </a:stretch>
-        </p:blipFill>
-        <p:spPr bwMode="auto">
-          <a:xfrm>
-            <a:off x="9186863" y="0"/>
-            <a:ext cx="3005137" cy="782637"/>
-          </a:xfrm>
-          <a:prstGeom prst="rect">
-            <a:avLst/>
-          </a:prstGeom>
-          <a:solidFill>
-            <a:schemeClr val="accent1"/>
-          </a:solidFill>
-          <a:ln>
-            <a:noFill/>
-          </a:ln>
-        </p:spPr>
-      </p:pic>
     </p:spTree>
     <p:extLst>
       <p:ext uri="{BB962C8B-B14F-4D97-AF65-F5344CB8AC3E}">
@@ -14756,49 +14197,6 @@
           </a:p>
         </p:txBody>
       </p:sp>
-      <p:pic>
-        <p:nvPicPr>
-          <p:cNvPr id="14" name="图片 2">
-            <a:extLst>
-              <a:ext uri="{FF2B5EF4-FFF2-40B4-BE49-F238E27FC236}">
-                <a16:creationId xmlns:a16="http://schemas.microsoft.com/office/drawing/2014/main" id="{AF9F8A6A-F782-1248-BA94-408A9BE23973}"/>
-              </a:ext>
-            </a:extLst>
-          </p:cNvPr>
-          <p:cNvPicPr>
-            <a:picLocks noChangeAspect="1" noChangeArrowheads="1"/>
-          </p:cNvPicPr>
-          <p:nvPr/>
-        </p:nvPicPr>
-        <p:blipFill>
-          <a:blip r:embed="rId10" cstate="print">
-            <a:extLst>
-              <a:ext uri="{28A0092B-C50C-407E-A947-70E740481C1C}">
-                <a14:useLocalDpi xmlns:a14="http://schemas.microsoft.com/office/drawing/2010/main" val="0"/>
-              </a:ext>
-            </a:extLst>
-          </a:blip>
-          <a:srcRect l="2818" t="9651" r="2068" b="9219"/>
-          <a:stretch>
-            <a:fillRect/>
-          </a:stretch>
-        </p:blipFill>
-        <p:spPr bwMode="auto">
-          <a:xfrm>
-            <a:off x="9186863" y="0"/>
-            <a:ext cx="3005137" cy="782637"/>
-          </a:xfrm>
-          <a:prstGeom prst="rect">
-            <a:avLst/>
-          </a:prstGeom>
-          <a:solidFill>
-            <a:schemeClr val="accent1"/>
-          </a:solidFill>
-          <a:ln>
-            <a:noFill/>
-          </a:ln>
-        </p:spPr>
-      </p:pic>
     </p:spTree>
     <p:extLst>
       <p:ext uri="{BB962C8B-B14F-4D97-AF65-F5344CB8AC3E}">
@@ -15330,49 +14728,6 @@
           </a:p>
         </p:txBody>
       </p:sp>
-      <p:pic>
-        <p:nvPicPr>
-          <p:cNvPr id="18" name="图片 2">
-            <a:extLst>
-              <a:ext uri="{FF2B5EF4-FFF2-40B4-BE49-F238E27FC236}">
-                <a16:creationId xmlns:a16="http://schemas.microsoft.com/office/drawing/2014/main" id="{ABE3EA40-7DE1-CC47-99FE-1DB193F94037}"/>
-              </a:ext>
-            </a:extLst>
-          </p:cNvPr>
-          <p:cNvPicPr>
-            <a:picLocks noChangeAspect="1" noChangeArrowheads="1"/>
-          </p:cNvPicPr>
-          <p:nvPr/>
-        </p:nvPicPr>
-        <p:blipFill>
-          <a:blip r:embed="rId22" cstate="print">
-            <a:extLst>
-              <a:ext uri="{28A0092B-C50C-407E-A947-70E740481C1C}">
-                <a14:useLocalDpi xmlns:a14="http://schemas.microsoft.com/office/drawing/2010/main" val="0"/>
-              </a:ext>
-            </a:extLst>
-          </a:blip>
-          <a:srcRect l="2818" t="9651" r="2068" b="9219"/>
-          <a:stretch>
-            <a:fillRect/>
-          </a:stretch>
-        </p:blipFill>
-        <p:spPr bwMode="auto">
-          <a:xfrm>
-            <a:off x="9186863" y="0"/>
-            <a:ext cx="3005137" cy="782637"/>
-          </a:xfrm>
-          <a:prstGeom prst="rect">
-            <a:avLst/>
-          </a:prstGeom>
-          <a:solidFill>
-            <a:schemeClr val="accent1"/>
-          </a:solidFill>
-          <a:ln>
-            <a:noFill/>
-          </a:ln>
-        </p:spPr>
-      </p:pic>
     </p:spTree>
     <p:extLst>
       <p:ext uri="{BB962C8B-B14F-4D97-AF65-F5344CB8AC3E}">
@@ -15631,49 +14986,6 @@
           </a:p>
         </p:txBody>
       </p:sp>
-      <p:pic>
-        <p:nvPicPr>
-          <p:cNvPr id="8" name="图片 2">
-            <a:extLst>
-              <a:ext uri="{FF2B5EF4-FFF2-40B4-BE49-F238E27FC236}">
-                <a16:creationId xmlns:a16="http://schemas.microsoft.com/office/drawing/2014/main" id="{0C19B98B-4A7D-EB4E-8788-4854BCEEF6E8}"/>
-              </a:ext>
-            </a:extLst>
-          </p:cNvPr>
-          <p:cNvPicPr>
-            <a:picLocks noChangeAspect="1" noChangeArrowheads="1"/>
-          </p:cNvPicPr>
-          <p:nvPr/>
-        </p:nvPicPr>
-        <p:blipFill>
-          <a:blip r:embed="rId4" cstate="print">
-            <a:extLst>
-              <a:ext uri="{28A0092B-C50C-407E-A947-70E740481C1C}">
-                <a14:useLocalDpi xmlns:a14="http://schemas.microsoft.com/office/drawing/2010/main" val="0"/>
-              </a:ext>
-            </a:extLst>
-          </a:blip>
-          <a:srcRect l="2818" t="9651" r="2068" b="9219"/>
-          <a:stretch>
-            <a:fillRect/>
-          </a:stretch>
-        </p:blipFill>
-        <p:spPr bwMode="auto">
-          <a:xfrm>
-            <a:off x="9186863" y="0"/>
-            <a:ext cx="3005137" cy="782637"/>
-          </a:xfrm>
-          <a:prstGeom prst="rect">
-            <a:avLst/>
-          </a:prstGeom>
-          <a:solidFill>
-            <a:schemeClr val="accent1"/>
-          </a:solidFill>
-          <a:ln>
-            <a:noFill/>
-          </a:ln>
-        </p:spPr>
-      </p:pic>
     </p:spTree>
     <p:extLst>
       <p:ext uri="{BB962C8B-B14F-4D97-AF65-F5344CB8AC3E}">
@@ -15966,49 +15278,6 @@
           </a:p>
         </p:txBody>
       </p:sp>
-      <p:pic>
-        <p:nvPicPr>
-          <p:cNvPr id="7" name="图片 2">
-            <a:extLst>
-              <a:ext uri="{FF2B5EF4-FFF2-40B4-BE49-F238E27FC236}">
-                <a16:creationId xmlns:a16="http://schemas.microsoft.com/office/drawing/2014/main" id="{CBFADCE4-1406-1140-9A04-5CE8E5315B0E}"/>
-              </a:ext>
-            </a:extLst>
-          </p:cNvPr>
-          <p:cNvPicPr>
-            <a:picLocks noChangeAspect="1" noChangeArrowheads="1"/>
-          </p:cNvPicPr>
-          <p:nvPr/>
-        </p:nvPicPr>
-        <p:blipFill>
-          <a:blip r:embed="rId4" cstate="print">
-            <a:extLst>
-              <a:ext uri="{28A0092B-C50C-407E-A947-70E740481C1C}">
-                <a14:useLocalDpi xmlns:a14="http://schemas.microsoft.com/office/drawing/2010/main" val="0"/>
-              </a:ext>
-            </a:extLst>
-          </a:blip>
-          <a:srcRect l="2818" t="9651" r="2068" b="9219"/>
-          <a:stretch>
-            <a:fillRect/>
-          </a:stretch>
-        </p:blipFill>
-        <p:spPr bwMode="auto">
-          <a:xfrm>
-            <a:off x="9186863" y="0"/>
-            <a:ext cx="3005137" cy="782637"/>
-          </a:xfrm>
-          <a:prstGeom prst="rect">
-            <a:avLst/>
-          </a:prstGeom>
-          <a:solidFill>
-            <a:schemeClr val="accent1"/>
-          </a:solidFill>
-          <a:ln>
-            <a:noFill/>
-          </a:ln>
-        </p:spPr>
-      </p:pic>
     </p:spTree>
     <p:extLst>
       <p:ext uri="{BB962C8B-B14F-4D97-AF65-F5344CB8AC3E}">
